--- a/arduino_robot_ble.pptx
+++ b/arduino_robot_ble.pptx
@@ -3827,6 +3827,155 @@
           </a:fontRef>
         </p:style>
       </p:cxnSp>
+      <p:cxnSp>
+        <p:nvCxnSpPr>
+          <p:cNvPr id="17" name="Straight Connector 16"/>
+          <p:cNvCxnSpPr/>
+          <p:nvPr/>
+        </p:nvCxnSpPr>
+        <p:spPr>
+          <a:xfrm>
+            <a:off x="3048000" y="1295400"/>
+            <a:ext cx="2819400" cy="2667000"/>
+          </a:xfrm>
+          <a:prstGeom prst="line">
+            <a:avLst/>
+          </a:prstGeom>
+          <a:ln w="57150">
+            <a:solidFill>
+              <a:srgbClr val="FFC000"/>
+            </a:solidFill>
+          </a:ln>
+        </p:spPr>
+        <p:style>
+          <a:lnRef idx="1">
+            <a:schemeClr val="accent1"/>
+          </a:lnRef>
+          <a:fillRef idx="0">
+            <a:schemeClr val="accent1"/>
+          </a:fillRef>
+          <a:effectRef idx="0">
+            <a:schemeClr val="accent1"/>
+          </a:effectRef>
+          <a:fontRef idx="minor">
+            <a:schemeClr val="tx1"/>
+          </a:fontRef>
+        </p:style>
+      </p:cxnSp>
+      <p:cxnSp>
+        <p:nvCxnSpPr>
+          <p:cNvPr id="20" name="Straight Connector 19"/>
+          <p:cNvCxnSpPr/>
+          <p:nvPr/>
+        </p:nvCxnSpPr>
+        <p:spPr>
+          <a:xfrm>
+            <a:off x="3124200" y="1295400"/>
+            <a:ext cx="2590800" cy="2693437"/>
+          </a:xfrm>
+          <a:prstGeom prst="line">
+            <a:avLst/>
+          </a:prstGeom>
+          <a:ln w="57150">
+            <a:solidFill>
+              <a:schemeClr val="tx2">
+                <a:lumMod val="40000"/>
+                <a:lumOff val="60000"/>
+              </a:schemeClr>
+            </a:solidFill>
+          </a:ln>
+        </p:spPr>
+        <p:style>
+          <a:lnRef idx="1">
+            <a:schemeClr val="accent1"/>
+          </a:lnRef>
+          <a:fillRef idx="0">
+            <a:schemeClr val="accent1"/>
+          </a:fillRef>
+          <a:effectRef idx="0">
+            <a:schemeClr val="accent1"/>
+          </a:effectRef>
+          <a:fontRef idx="minor">
+            <a:schemeClr val="tx1"/>
+          </a:fontRef>
+        </p:style>
+      </p:cxnSp>
+      <p:cxnSp>
+        <p:nvCxnSpPr>
+          <p:cNvPr id="24" name="Straight Connector 23"/>
+          <p:cNvCxnSpPr/>
+          <p:nvPr/>
+        </p:nvCxnSpPr>
+        <p:spPr>
+          <a:xfrm>
+            <a:off x="3200400" y="1219200"/>
+            <a:ext cx="2365375" cy="2769637"/>
+          </a:xfrm>
+          <a:prstGeom prst="line">
+            <a:avLst/>
+          </a:prstGeom>
+          <a:ln w="57150">
+            <a:solidFill>
+              <a:schemeClr val="accent2">
+                <a:lumMod val="40000"/>
+                <a:lumOff val="60000"/>
+              </a:schemeClr>
+            </a:solidFill>
+          </a:ln>
+        </p:spPr>
+        <p:style>
+          <a:lnRef idx="1">
+            <a:schemeClr val="accent1"/>
+          </a:lnRef>
+          <a:fillRef idx="0">
+            <a:schemeClr val="accent1"/>
+          </a:fillRef>
+          <a:effectRef idx="0">
+            <a:schemeClr val="accent1"/>
+          </a:effectRef>
+          <a:fontRef idx="minor">
+            <a:schemeClr val="tx1"/>
+          </a:fontRef>
+        </p:style>
+      </p:cxnSp>
+      <p:cxnSp>
+        <p:nvCxnSpPr>
+          <p:cNvPr id="25" name="Straight Connector 24"/>
+          <p:cNvCxnSpPr/>
+          <p:nvPr/>
+        </p:nvCxnSpPr>
+        <p:spPr>
+          <a:xfrm>
+            <a:off x="3276600" y="1104900"/>
+            <a:ext cx="2136775" cy="2883937"/>
+          </a:xfrm>
+          <a:prstGeom prst="line">
+            <a:avLst/>
+          </a:prstGeom>
+          <a:ln w="57150">
+            <a:solidFill>
+              <a:schemeClr val="accent3">
+                <a:lumMod val="40000"/>
+                <a:lumOff val="60000"/>
+              </a:schemeClr>
+            </a:solidFill>
+          </a:ln>
+        </p:spPr>
+        <p:style>
+          <a:lnRef idx="1">
+            <a:schemeClr val="accent1"/>
+          </a:lnRef>
+          <a:fillRef idx="0">
+            <a:schemeClr val="accent1"/>
+          </a:fillRef>
+          <a:effectRef idx="0">
+            <a:schemeClr val="accent1"/>
+          </a:effectRef>
+          <a:fontRef idx="minor">
+            <a:schemeClr val="tx1"/>
+          </a:fontRef>
+        </p:style>
+      </p:cxnSp>
     </p:spTree>
     <p:extLst>
       <p:ext uri="{BB962C8B-B14F-4D97-AF65-F5344CB8AC3E}">

--- a/arduino_robot_ble.pptx
+++ b/arduino_robot_ble.pptx
@@ -289,7 +289,7 @@
           <a:p>
             <a:fld id="{1AF8CBEB-319D-4625-8F8F-C3F3D472F07F}" type="datetimeFigureOut">
               <a:rPr lang="en-US" smtClean="0"/>
-              <a:t>09-Feb-25</a:t>
+              <a:t>10-Feb-25</a:t>
             </a:fld>
             <a:endParaRPr lang="en-US"/>
           </a:p>
@@ -459,7 +459,7 @@
           <a:p>
             <a:fld id="{1AF8CBEB-319D-4625-8F8F-C3F3D472F07F}" type="datetimeFigureOut">
               <a:rPr lang="en-US" smtClean="0"/>
-              <a:t>09-Feb-25</a:t>
+              <a:t>10-Feb-25</a:t>
             </a:fld>
             <a:endParaRPr lang="en-US"/>
           </a:p>
@@ -639,7 +639,7 @@
           <a:p>
             <a:fld id="{1AF8CBEB-319D-4625-8F8F-C3F3D472F07F}" type="datetimeFigureOut">
               <a:rPr lang="en-US" smtClean="0"/>
-              <a:t>09-Feb-25</a:t>
+              <a:t>10-Feb-25</a:t>
             </a:fld>
             <a:endParaRPr lang="en-US"/>
           </a:p>
@@ -809,7 +809,7 @@
           <a:p>
             <a:fld id="{1AF8CBEB-319D-4625-8F8F-C3F3D472F07F}" type="datetimeFigureOut">
               <a:rPr lang="en-US" smtClean="0"/>
-              <a:t>09-Feb-25</a:t>
+              <a:t>10-Feb-25</a:t>
             </a:fld>
             <a:endParaRPr lang="en-US"/>
           </a:p>
@@ -1055,7 +1055,7 @@
           <a:p>
             <a:fld id="{1AF8CBEB-319D-4625-8F8F-C3F3D472F07F}" type="datetimeFigureOut">
               <a:rPr lang="en-US" smtClean="0"/>
-              <a:t>09-Feb-25</a:t>
+              <a:t>10-Feb-25</a:t>
             </a:fld>
             <a:endParaRPr lang="en-US"/>
           </a:p>
@@ -1343,7 +1343,7 @@
           <a:p>
             <a:fld id="{1AF8CBEB-319D-4625-8F8F-C3F3D472F07F}" type="datetimeFigureOut">
               <a:rPr lang="en-US" smtClean="0"/>
-              <a:t>09-Feb-25</a:t>
+              <a:t>10-Feb-25</a:t>
             </a:fld>
             <a:endParaRPr lang="en-US"/>
           </a:p>
@@ -1765,7 +1765,7 @@
           <a:p>
             <a:fld id="{1AF8CBEB-319D-4625-8F8F-C3F3D472F07F}" type="datetimeFigureOut">
               <a:rPr lang="en-US" smtClean="0"/>
-              <a:t>09-Feb-25</a:t>
+              <a:t>10-Feb-25</a:t>
             </a:fld>
             <a:endParaRPr lang="en-US"/>
           </a:p>
@@ -1883,7 +1883,7 @@
           <a:p>
             <a:fld id="{1AF8CBEB-319D-4625-8F8F-C3F3D472F07F}" type="datetimeFigureOut">
               <a:rPr lang="en-US" smtClean="0"/>
-              <a:t>09-Feb-25</a:t>
+              <a:t>10-Feb-25</a:t>
             </a:fld>
             <a:endParaRPr lang="en-US"/>
           </a:p>
@@ -1978,7 +1978,7 @@
           <a:p>
             <a:fld id="{1AF8CBEB-319D-4625-8F8F-C3F3D472F07F}" type="datetimeFigureOut">
               <a:rPr lang="en-US" smtClean="0"/>
-              <a:t>09-Feb-25</a:t>
+              <a:t>10-Feb-25</a:t>
             </a:fld>
             <a:endParaRPr lang="en-US"/>
           </a:p>
@@ -2255,7 +2255,7 @@
           <a:p>
             <a:fld id="{1AF8CBEB-319D-4625-8F8F-C3F3D472F07F}" type="datetimeFigureOut">
               <a:rPr lang="en-US" smtClean="0"/>
-              <a:t>09-Feb-25</a:t>
+              <a:t>10-Feb-25</a:t>
             </a:fld>
             <a:endParaRPr lang="en-US"/>
           </a:p>
@@ -2508,7 +2508,7 @@
           <a:p>
             <a:fld id="{1AF8CBEB-319D-4625-8F8F-C3F3D472F07F}" type="datetimeFigureOut">
               <a:rPr lang="en-US" smtClean="0"/>
-              <a:t>09-Feb-25</a:t>
+              <a:t>10-Feb-25</a:t>
             </a:fld>
             <a:endParaRPr lang="en-US"/>
           </a:p>
@@ -2721,7 +2721,7 @@
           <a:p>
             <a:fld id="{1AF8CBEB-319D-4625-8F8F-C3F3D472F07F}" type="datetimeFigureOut">
               <a:rPr lang="en-US" smtClean="0"/>
-              <a:t>09-Feb-25</a:t>
+              <a:t>10-Feb-25</a:t>
             </a:fld>
             <a:endParaRPr lang="en-US"/>
           </a:p>
@@ -3691,8 +3691,8 @@
         </p:nvCxnSpPr>
         <p:spPr>
           <a:xfrm flipH="1">
-            <a:off x="6705600" y="2227004"/>
-            <a:ext cx="914400" cy="1811596"/>
+            <a:off x="7162800" y="2227004"/>
+            <a:ext cx="457200" cy="2497396"/>
           </a:xfrm>
           <a:prstGeom prst="line">
             <a:avLst/>
